--- a/Unityゼミ最終発表用プレゼン.pptx
+++ b/Unityゼミ最終発表用プレゼン.pptx
@@ -845,7 +845,7 @@
           <a:p>
             <a:fld id="{4636B6F2-0DAC-4DA7-BDD2-7A1266D49781}" type="datetimeFigureOut">
               <a:rPr kumimoji="1" lang="ja-JP" altLang="en-US" smtClean="0"/>
-              <a:t>2018/5/14</a:t>
+              <a:t>2018/5/15</a:t>
             </a:fld>
             <a:endParaRPr kumimoji="1" lang="ja-JP" altLang="en-US"/>
           </a:p>
@@ -1096,7 +1096,7 @@
           <a:p>
             <a:fld id="{4636B6F2-0DAC-4DA7-BDD2-7A1266D49781}" type="datetimeFigureOut">
               <a:rPr kumimoji="1" lang="ja-JP" altLang="en-US" smtClean="0"/>
-              <a:t>2018/5/14</a:t>
+              <a:t>2018/5/15</a:t>
             </a:fld>
             <a:endParaRPr kumimoji="1" lang="ja-JP" altLang="en-US"/>
           </a:p>
@@ -1410,7 +1410,7 @@
           <a:p>
             <a:fld id="{4636B6F2-0DAC-4DA7-BDD2-7A1266D49781}" type="datetimeFigureOut">
               <a:rPr kumimoji="1" lang="ja-JP" altLang="en-US" smtClean="0"/>
-              <a:t>2018/5/14</a:t>
+              <a:t>2018/5/15</a:t>
             </a:fld>
             <a:endParaRPr kumimoji="1" lang="ja-JP" altLang="en-US"/>
           </a:p>
@@ -1751,7 +1751,7 @@
           <a:p>
             <a:fld id="{4636B6F2-0DAC-4DA7-BDD2-7A1266D49781}" type="datetimeFigureOut">
               <a:rPr kumimoji="1" lang="ja-JP" altLang="en-US" smtClean="0"/>
-              <a:t>2018/5/14</a:t>
+              <a:t>2018/5/15</a:t>
             </a:fld>
             <a:endParaRPr kumimoji="1" lang="ja-JP" altLang="en-US"/>
           </a:p>
@@ -2065,7 +2065,7 @@
           <a:p>
             <a:fld id="{4636B6F2-0DAC-4DA7-BDD2-7A1266D49781}" type="datetimeFigureOut">
               <a:rPr kumimoji="1" lang="ja-JP" altLang="en-US" smtClean="0"/>
-              <a:t>2018/5/14</a:t>
+              <a:t>2018/5/15</a:t>
             </a:fld>
             <a:endParaRPr kumimoji="1" lang="ja-JP" altLang="en-US"/>
           </a:p>
@@ -2458,7 +2458,7 @@
           <a:p>
             <a:fld id="{4636B6F2-0DAC-4DA7-BDD2-7A1266D49781}" type="datetimeFigureOut">
               <a:rPr kumimoji="1" lang="ja-JP" altLang="en-US" smtClean="0"/>
-              <a:t>2018/5/14</a:t>
+              <a:t>2018/5/15</a:t>
             </a:fld>
             <a:endParaRPr kumimoji="1" lang="ja-JP" altLang="en-US"/>
           </a:p>
@@ -2660,7 +2660,7 @@
           <a:p>
             <a:fld id="{4636B6F2-0DAC-4DA7-BDD2-7A1266D49781}" type="datetimeFigureOut">
               <a:rPr kumimoji="1" lang="ja-JP" altLang="en-US" smtClean="0"/>
-              <a:t>2018/5/14</a:t>
+              <a:t>2018/5/15</a:t>
             </a:fld>
             <a:endParaRPr kumimoji="1" lang="ja-JP" altLang="en-US"/>
           </a:p>
@@ -2872,7 +2872,7 @@
           <a:p>
             <a:fld id="{4636B6F2-0DAC-4DA7-BDD2-7A1266D49781}" type="datetimeFigureOut">
               <a:rPr kumimoji="1" lang="ja-JP" altLang="en-US" smtClean="0"/>
-              <a:t>2018/5/14</a:t>
+              <a:t>2018/5/15</a:t>
             </a:fld>
             <a:endParaRPr kumimoji="1" lang="ja-JP" altLang="en-US"/>
           </a:p>
@@ -3080,7 +3080,7 @@
           <a:p>
             <a:fld id="{4636B6F2-0DAC-4DA7-BDD2-7A1266D49781}" type="datetimeFigureOut">
               <a:rPr kumimoji="1" lang="ja-JP" altLang="en-US" smtClean="0"/>
-              <a:t>2018/5/14</a:t>
+              <a:t>2018/5/15</a:t>
             </a:fld>
             <a:endParaRPr kumimoji="1" lang="ja-JP" altLang="en-US"/>
           </a:p>
@@ -3327,7 +3327,7 @@
           <a:p>
             <a:fld id="{4636B6F2-0DAC-4DA7-BDD2-7A1266D49781}" type="datetimeFigureOut">
               <a:rPr kumimoji="1" lang="ja-JP" altLang="en-US" smtClean="0"/>
-              <a:t>2018/5/14</a:t>
+              <a:t>2018/5/15</a:t>
             </a:fld>
             <a:endParaRPr kumimoji="1" lang="ja-JP" altLang="en-US"/>
           </a:p>
@@ -3623,7 +3623,7 @@
           <a:p>
             <a:fld id="{4636B6F2-0DAC-4DA7-BDD2-7A1266D49781}" type="datetimeFigureOut">
               <a:rPr kumimoji="1" lang="ja-JP" altLang="en-US" smtClean="0"/>
-              <a:t>2018/5/14</a:t>
+              <a:t>2018/5/15</a:t>
             </a:fld>
             <a:endParaRPr kumimoji="1" lang="ja-JP" altLang="en-US"/>
           </a:p>
@@ -4061,7 +4061,7 @@
           <a:p>
             <a:fld id="{4636B6F2-0DAC-4DA7-BDD2-7A1266D49781}" type="datetimeFigureOut">
               <a:rPr kumimoji="1" lang="ja-JP" altLang="en-US" smtClean="0"/>
-              <a:t>2018/5/14</a:t>
+              <a:t>2018/5/15</a:t>
             </a:fld>
             <a:endParaRPr kumimoji="1" lang="ja-JP" altLang="en-US"/>
           </a:p>
@@ -4184,7 +4184,7 @@
           <a:p>
             <a:fld id="{4636B6F2-0DAC-4DA7-BDD2-7A1266D49781}" type="datetimeFigureOut">
               <a:rPr kumimoji="1" lang="ja-JP" altLang="en-US" smtClean="0"/>
-              <a:t>2018/5/14</a:t>
+              <a:t>2018/5/15</a:t>
             </a:fld>
             <a:endParaRPr kumimoji="1" lang="ja-JP" altLang="en-US"/>
           </a:p>
@@ -4279,7 +4279,7 @@
           <a:p>
             <a:fld id="{4636B6F2-0DAC-4DA7-BDD2-7A1266D49781}" type="datetimeFigureOut">
               <a:rPr kumimoji="1" lang="ja-JP" altLang="en-US" smtClean="0"/>
-              <a:t>2018/5/14</a:t>
+              <a:t>2018/5/15</a:t>
             </a:fld>
             <a:endParaRPr kumimoji="1" lang="ja-JP" altLang="en-US"/>
           </a:p>
@@ -4566,7 +4566,7 @@
           <a:p>
             <a:fld id="{4636B6F2-0DAC-4DA7-BDD2-7A1266D49781}" type="datetimeFigureOut">
               <a:rPr kumimoji="1" lang="ja-JP" altLang="en-US" smtClean="0"/>
-              <a:t>2018/5/14</a:t>
+              <a:t>2018/5/15</a:t>
             </a:fld>
             <a:endParaRPr kumimoji="1" lang="ja-JP" altLang="en-US"/>
           </a:p>
@@ -4829,7 +4829,7 @@
           <a:p>
             <a:fld id="{4636B6F2-0DAC-4DA7-BDD2-7A1266D49781}" type="datetimeFigureOut">
               <a:rPr kumimoji="1" lang="ja-JP" altLang="en-US" smtClean="0"/>
-              <a:t>2018/5/14</a:t>
+              <a:t>2018/5/15</a:t>
             </a:fld>
             <a:endParaRPr kumimoji="1" lang="ja-JP" altLang="en-US"/>
           </a:p>
@@ -5604,7 +5604,7 @@
           <a:p>
             <a:fld id="{4636B6F2-0DAC-4DA7-BDD2-7A1266D49781}" type="datetimeFigureOut">
               <a:rPr kumimoji="1" lang="ja-JP" altLang="en-US" smtClean="0"/>
-              <a:t>2018/5/14</a:t>
+              <a:t>2018/5/15</a:t>
             </a:fld>
             <a:endParaRPr kumimoji="1" lang="ja-JP" altLang="en-US"/>
           </a:p>
@@ -6310,7 +6310,19 @@
               <a:rPr lang="en-US" altLang="ja-JP" sz="2400" dirty="0">
                 <a:latin typeface="+mn-ea"/>
               </a:rPr>
-              <a:t>A Group : Hikaru Ichimaru</a:t>
+              <a:t>Group</a:t>
+            </a:r>
+            <a:r>
+              <a:rPr lang="ja-JP" altLang="en-US" sz="2400" dirty="0">
+                <a:latin typeface="+mn-ea"/>
+              </a:rPr>
+              <a:t> </a:t>
+            </a:r>
+            <a:r>
+              <a:rPr lang="en-US" altLang="ja-JP" sz="2400" dirty="0">
+                <a:latin typeface="+mn-ea"/>
+              </a:rPr>
+              <a:t>A : Hikaru Ichimaru</a:t>
             </a:r>
           </a:p>
           <a:p>
@@ -6542,7 +6554,7 @@
         <p:spPr>
           <a:xfrm>
             <a:off x="536157" y="6489263"/>
-            <a:ext cx="1741182" cy="307777"/>
+            <a:ext cx="2468112" cy="307777"/>
           </a:xfrm>
           <a:prstGeom prst="rect">
             <a:avLst/>
@@ -6557,13 +6569,16 @@
           <a:p>
             <a:r>
               <a:rPr lang="en-US" altLang="ja-JP" sz="1400" dirty="0"/>
-              <a:t>Unity</a:t>
+              <a:t>Unity Seminar</a:t>
             </a:r>
             <a:r>
               <a:rPr lang="ja-JP" altLang="en-US" sz="1400" dirty="0"/>
-              <a:t>ゼミ 中間発表</a:t>
-            </a:r>
-            <a:endParaRPr kumimoji="1" lang="ja-JP" altLang="en-US" sz="1400" dirty="0"/>
+              <a:t>　</a:t>
+            </a:r>
+            <a:r>
+              <a:rPr lang="en-US" altLang="ja-JP" sz="1400" dirty="0"/>
+              <a:t>Final Report</a:t>
+            </a:r>
           </a:p>
         </p:txBody>
       </p:sp>
@@ -6606,7 +6621,7 @@
         <p:spPr>
           <a:xfrm>
             <a:off x="1631452" y="2365382"/>
-            <a:ext cx="7098418" cy="769441"/>
+            <a:ext cx="5828840" cy="769441"/>
           </a:xfrm>
           <a:prstGeom prst="rect">
             <a:avLst/>
@@ -6630,14 +6645,34 @@
               <a:t>1. </a:t>
             </a:r>
             <a:r>
-              <a:rPr lang="ja-JP" altLang="en-US" sz="4400" b="1" dirty="0">
+              <a:rPr lang="en-US" altLang="ja-JP" sz="4400" b="1" dirty="0">
                 <a:solidFill>
                   <a:schemeClr val="accent2">
                     <a:lumMod val="75000"/>
                   </a:schemeClr>
                 </a:solidFill>
               </a:rPr>
-              <a:t>体験内容・使用デバイス</a:t>
+              <a:t>Contents</a:t>
+            </a:r>
+            <a:r>
+              <a:rPr lang="ja-JP" altLang="en-US" sz="4400" b="1" dirty="0">
+                <a:solidFill>
+                  <a:schemeClr val="accent2">
+                    <a:lumMod val="75000"/>
+                  </a:schemeClr>
+                </a:solidFill>
+              </a:rPr>
+              <a:t>・</a:t>
+            </a:r>
+            <a:r>
+              <a:rPr lang="en-US" altLang="ja-JP" sz="4400" b="1" dirty="0">
+                <a:solidFill>
+                  <a:schemeClr val="accent2">
+                    <a:lumMod val="75000"/>
+                  </a:schemeClr>
+                </a:solidFill>
+              </a:rPr>
+              <a:t>Devices</a:t>
             </a:r>
             <a:endParaRPr kumimoji="1" lang="ja-JP" altLang="en-US" sz="4400" b="1" dirty="0">
               <a:solidFill>
@@ -6658,7 +6693,7 @@
         <p:spPr>
           <a:xfrm>
             <a:off x="536157" y="6489263"/>
-            <a:ext cx="1741182" cy="307777"/>
+            <a:ext cx="2468112" cy="307777"/>
           </a:xfrm>
           <a:prstGeom prst="rect">
             <a:avLst/>
@@ -6673,13 +6708,16 @@
           <a:p>
             <a:r>
               <a:rPr lang="en-US" altLang="ja-JP" sz="1400" dirty="0"/>
-              <a:t>Unity</a:t>
+              <a:t>Unity Seminar</a:t>
             </a:r>
             <a:r>
               <a:rPr lang="ja-JP" altLang="en-US" sz="1400" dirty="0"/>
-              <a:t>ゼミ 中間発表</a:t>
-            </a:r>
-            <a:endParaRPr kumimoji="1" lang="ja-JP" altLang="en-US" sz="1400" dirty="0"/>
+              <a:t>　</a:t>
+            </a:r>
+            <a:r>
+              <a:rPr lang="en-US" altLang="ja-JP" sz="1400" dirty="0"/>
+              <a:t>Final Report</a:t>
+            </a:r>
           </a:p>
         </p:txBody>
       </p:sp>
@@ -6722,7 +6760,7 @@
         <p:spPr>
           <a:xfrm>
             <a:off x="891223" y="1645920"/>
-            <a:ext cx="7695428" cy="3539430"/>
+            <a:ext cx="7695428" cy="523220"/>
           </a:xfrm>
           <a:prstGeom prst="rect">
             <a:avLst/>
@@ -6737,81 +6775,8 @@
           <a:p>
             <a:r>
               <a:rPr lang="ja-JP" altLang="en-US" sz="2800" dirty="0"/>
-              <a:t>・ロッククライミングの</a:t>
-            </a:r>
-            <a:r>
-              <a:rPr lang="en-US" altLang="ja-JP" sz="2800" dirty="0"/>
-              <a:t>VR</a:t>
-            </a:r>
-            <a:r>
-              <a:rPr lang="ja-JP" altLang="en-US" sz="2800" dirty="0"/>
-              <a:t>ゲーム</a:t>
-            </a:r>
-            <a:endParaRPr lang="en-US" altLang="ja-JP" sz="2800" dirty="0"/>
-          </a:p>
-          <a:p>
-            <a:r>
-              <a:rPr lang="ja-JP" altLang="en-US" sz="2800" dirty="0"/>
-              <a:t>　・使用デバイスは</a:t>
-            </a:r>
-            <a:r>
-              <a:rPr lang="en-US" altLang="ja-JP" sz="2800" dirty="0"/>
-              <a:t>HTC Vive</a:t>
-            </a:r>
-            <a:r>
-              <a:rPr lang="ja-JP" altLang="en-US" sz="2800" dirty="0"/>
-              <a:t>と</a:t>
-            </a:r>
-            <a:r>
-              <a:rPr lang="en-US" altLang="ja-JP" sz="2800" dirty="0"/>
-              <a:t>Vive</a:t>
-            </a:r>
-            <a:r>
-              <a:rPr lang="ja-JP" altLang="en-US" sz="2800" dirty="0"/>
-              <a:t>トラッカー</a:t>
-            </a:r>
-            <a:endParaRPr lang="en-US" altLang="ja-JP" sz="2800" dirty="0"/>
-          </a:p>
-          <a:p>
-            <a:r>
-              <a:rPr kumimoji="1" lang="ja-JP" altLang="en-US" sz="2800" dirty="0"/>
-              <a:t>　・両手の</a:t>
-            </a:r>
-            <a:r>
-              <a:rPr lang="ja-JP" altLang="en-US" sz="2800" dirty="0"/>
-              <a:t>コントローラーのトリガーで岩を</a:t>
-            </a:r>
-            <a:endParaRPr lang="en-US" altLang="ja-JP" sz="2800" dirty="0"/>
-          </a:p>
-          <a:p>
-            <a:r>
-              <a:rPr lang="ja-JP" altLang="en-US" sz="2800" dirty="0"/>
-              <a:t>　　つかむ。ポイントはコントローラーと両足</a:t>
-            </a:r>
-            <a:endParaRPr lang="en-US" altLang="ja-JP" sz="2800" dirty="0"/>
-          </a:p>
-          <a:p>
-            <a:r>
-              <a:rPr lang="ja-JP" altLang="en-US" sz="2800" dirty="0"/>
-              <a:t>　　に取り付けたトラッカーで触れる。</a:t>
-            </a:r>
-            <a:endParaRPr kumimoji="1" lang="en-US" altLang="ja-JP" sz="2800" dirty="0"/>
-          </a:p>
-          <a:p>
-            <a:r>
-              <a:rPr lang="ja-JP" altLang="en-US" sz="2800" dirty="0"/>
-              <a:t>　・コース上のポイントをゲットしていき、</a:t>
-            </a:r>
-            <a:endParaRPr lang="en-US" altLang="ja-JP" sz="2800" dirty="0"/>
-          </a:p>
-          <a:p>
-            <a:r>
-              <a:rPr lang="ja-JP" altLang="en-US" sz="2800" dirty="0"/>
-              <a:t>　　制限時間以内にゴールポイントに触れる</a:t>
-            </a:r>
-            <a:endParaRPr kumimoji="1" lang="en-US" altLang="ja-JP" sz="2800" dirty="0"/>
-          </a:p>
-          <a:p>
+              <a:t>・</a:t>
+            </a:r>
             <a:endParaRPr kumimoji="1" lang="en-US" altLang="ja-JP" sz="2800" dirty="0"/>
           </a:p>
         </p:txBody>
@@ -6825,7 +6790,7 @@
         <p:spPr>
           <a:xfrm>
             <a:off x="891223" y="710754"/>
-            <a:ext cx="1210588" cy="707886"/>
+            <a:ext cx="2223686" cy="707886"/>
           </a:xfrm>
           <a:prstGeom prst="rect">
             <a:avLst/>
@@ -6839,14 +6804,14 @@
           <a:lstStyle/>
           <a:p>
             <a:r>
-              <a:rPr lang="ja-JP" altLang="en-US" sz="4000" dirty="0">
+              <a:rPr lang="en-US" altLang="ja-JP" sz="4000" dirty="0">
                 <a:solidFill>
                   <a:schemeClr val="accent2">
                     <a:lumMod val="75000"/>
                   </a:schemeClr>
                 </a:solidFill>
               </a:rPr>
-              <a:t>内容</a:t>
+              <a:t>Contents</a:t>
             </a:r>
             <a:endParaRPr kumimoji="1" lang="ja-JP" altLang="en-US" sz="4000" dirty="0">
               <a:solidFill>
@@ -6867,7 +6832,7 @@
         <p:spPr>
           <a:xfrm>
             <a:off x="536157" y="6489263"/>
-            <a:ext cx="2374368" cy="307777"/>
+            <a:ext cx="1895071" cy="307777"/>
           </a:xfrm>
           <a:prstGeom prst="rect">
             <a:avLst/>
@@ -6886,7 +6851,19 @@
             </a:r>
             <a:r>
               <a:rPr lang="ja-JP" altLang="en-US" sz="1400" dirty="0"/>
-              <a:t> 体験内容・使用デバイス</a:t>
+              <a:t> </a:t>
+            </a:r>
+            <a:r>
+              <a:rPr lang="en-US" altLang="ja-JP" sz="1400" dirty="0"/>
+              <a:t>Contents</a:t>
+            </a:r>
+            <a:r>
+              <a:rPr lang="ja-JP" altLang="en-US" sz="1400" dirty="0"/>
+              <a:t>・</a:t>
+            </a:r>
+            <a:r>
+              <a:rPr lang="en-US" altLang="ja-JP" sz="1400" dirty="0"/>
+              <a:t>Devices</a:t>
             </a:r>
             <a:endParaRPr kumimoji="1" lang="ja-JP" altLang="en-US" sz="1400" dirty="0"/>
           </a:p>
@@ -6931,7 +6908,7 @@
         <p:spPr>
           <a:xfrm>
             <a:off x="1631452" y="2365382"/>
-            <a:ext cx="4841390" cy="769441"/>
+            <a:ext cx="6248827" cy="769441"/>
           </a:xfrm>
           <a:prstGeom prst="rect">
             <a:avLst/>
@@ -6965,22 +6942,15 @@
               <a:t>. </a:t>
             </a:r>
             <a:r>
-              <a:rPr lang="ja-JP" altLang="en-US" sz="4400" b="1">
+              <a:rPr lang="en-US" altLang="ja-JP" sz="4400" b="1" dirty="0">
                 <a:solidFill>
                   <a:schemeClr val="accent2">
                     <a:lumMod val="75000"/>
                   </a:schemeClr>
                 </a:solidFill>
               </a:rPr>
-              <a:t>現在の進捗状況</a:t>
-            </a:r>
-            <a:endParaRPr kumimoji="1" lang="ja-JP" altLang="en-US" sz="4400" b="1" dirty="0">
-              <a:solidFill>
-                <a:schemeClr val="accent2">
-                  <a:lumMod val="75000"/>
-                </a:schemeClr>
-              </a:solidFill>
-            </a:endParaRPr>
+              <a:t>Method of operation</a:t>
+            </a:r>
           </a:p>
         </p:txBody>
       </p:sp>
@@ -6993,7 +6963,7 @@
         <p:spPr>
           <a:xfrm>
             <a:off x="536157" y="6489263"/>
-            <a:ext cx="1920719" cy="307777"/>
+            <a:ext cx="2468112" cy="307777"/>
           </a:xfrm>
           <a:prstGeom prst="rect">
             <a:avLst/>
@@ -7008,13 +6978,16 @@
           <a:p>
             <a:r>
               <a:rPr lang="en-US" altLang="ja-JP" sz="1400" dirty="0"/>
-              <a:t>Unity</a:t>
+              <a:t>Unity Seminar</a:t>
             </a:r>
             <a:r>
               <a:rPr lang="ja-JP" altLang="en-US" sz="1400" dirty="0"/>
-              <a:t>ゼミ テーマ発表</a:t>
-            </a:r>
-            <a:endParaRPr kumimoji="1" lang="ja-JP" altLang="en-US" sz="1400" dirty="0"/>
+              <a:t>　</a:t>
+            </a:r>
+            <a:r>
+              <a:rPr lang="en-US" altLang="ja-JP" sz="1400" dirty="0"/>
+              <a:t>Final Report</a:t>
+            </a:r>
           </a:p>
         </p:txBody>
       </p:sp>
@@ -7057,7 +7030,7 @@
         <p:spPr>
           <a:xfrm>
             <a:off x="891223" y="710754"/>
-            <a:ext cx="1210588" cy="707886"/>
+            <a:ext cx="2470548" cy="707886"/>
           </a:xfrm>
           <a:prstGeom prst="rect">
             <a:avLst/>
@@ -7071,14 +7044,14 @@
           <a:lstStyle/>
           <a:p>
             <a:r>
-              <a:rPr lang="ja-JP" altLang="en-US" sz="4000" dirty="0">
+              <a:rPr lang="en-US" altLang="ja-JP" sz="4000" dirty="0">
                 <a:solidFill>
                   <a:schemeClr val="accent2">
                     <a:lumMod val="75000"/>
                   </a:schemeClr>
                 </a:solidFill>
               </a:rPr>
-              <a:t>進捗</a:t>
+              <a:t>Operation</a:t>
             </a:r>
             <a:endParaRPr kumimoji="1" lang="ja-JP" altLang="en-US" sz="4000" dirty="0">
               <a:solidFill>
@@ -7099,7 +7072,7 @@
         <p:spPr>
           <a:xfrm>
             <a:off x="891223" y="1645920"/>
-            <a:ext cx="8069897" cy="1815882"/>
+            <a:ext cx="8069897" cy="523220"/>
           </a:xfrm>
           <a:prstGeom prst="rect">
             <a:avLst/>
@@ -7114,52 +7087,7 @@
           <a:p>
             <a:r>
               <a:rPr lang="ja-JP" altLang="en-US" sz="2800" dirty="0"/>
-              <a:t>・基本的なシステム</a:t>
-            </a:r>
-            <a:r>
-              <a:rPr lang="en-US" altLang="ja-JP" sz="2800" dirty="0"/>
-              <a:t>(</a:t>
-            </a:r>
-            <a:r>
-              <a:rPr lang="ja-JP" altLang="en-US" sz="2800" dirty="0"/>
-              <a:t>つかんで登る、ポイントの</a:t>
-            </a:r>
-            <a:endParaRPr lang="en-US" altLang="ja-JP" sz="2800" dirty="0"/>
-          </a:p>
-          <a:p>
-            <a:r>
-              <a:rPr lang="ja-JP" altLang="en-US" sz="2800" dirty="0"/>
-              <a:t>　反映</a:t>
-            </a:r>
-            <a:r>
-              <a:rPr lang="en-US" altLang="ja-JP" sz="2800" dirty="0"/>
-              <a:t>)</a:t>
-            </a:r>
-            <a:r>
-              <a:rPr lang="ja-JP" altLang="en-US" sz="2800" dirty="0"/>
-              <a:t>は完成</a:t>
-            </a:r>
-            <a:endParaRPr lang="en-US" altLang="ja-JP" sz="2800" dirty="0"/>
-          </a:p>
-          <a:p>
-            <a:r>
-              <a:rPr kumimoji="1" lang="ja-JP" altLang="en-US" sz="2800" dirty="0"/>
-              <a:t>・ステージは</a:t>
-            </a:r>
-            <a:r>
-              <a:rPr kumimoji="1" lang="en-US" altLang="ja-JP" sz="2800" dirty="0"/>
-              <a:t>1</a:t>
-            </a:r>
-            <a:r>
-              <a:rPr kumimoji="1" lang="ja-JP" altLang="en-US" sz="2800" dirty="0"/>
-              <a:t>つ</a:t>
-            </a:r>
-            <a:endParaRPr lang="en-US" altLang="ja-JP" sz="2800" dirty="0"/>
-          </a:p>
-          <a:p>
-            <a:r>
-              <a:rPr kumimoji="1" lang="ja-JP" altLang="en-US" sz="2800" dirty="0"/>
-              <a:t>・左手に制限時間と現在のポイントを表示</a:t>
+              <a:t>・</a:t>
             </a:r>
             <a:endParaRPr kumimoji="1" lang="en-US" altLang="ja-JP" sz="2800" dirty="0"/>
           </a:p>
@@ -7174,7 +7102,7 @@
         <p:spPr>
           <a:xfrm>
             <a:off x="536157" y="6489263"/>
-            <a:ext cx="1656223" cy="307777"/>
+            <a:ext cx="2032929" cy="307777"/>
           </a:xfrm>
           <a:prstGeom prst="rect">
             <a:avLst/>
@@ -7189,46 +7117,12 @@
           <a:p>
             <a:r>
               <a:rPr lang="en-US" altLang="ja-JP" sz="1400" dirty="0"/>
-              <a:t>2. </a:t>
-            </a:r>
-            <a:r>
-              <a:rPr lang="ja-JP" altLang="en-US" sz="1400" dirty="0"/>
-              <a:t>現在の進捗状況</a:t>
+              <a:t>2. Method of operation</a:t>
             </a:r>
             <a:endParaRPr kumimoji="1" lang="ja-JP" altLang="en-US" sz="1400" dirty="0"/>
           </a:p>
         </p:txBody>
       </p:sp>
-      <p:pic>
-        <p:nvPicPr>
-          <p:cNvPr id="2" name="図 1"/>
-          <p:cNvPicPr>
-            <a:picLocks noChangeAspect="1"/>
-          </p:cNvPicPr>
-          <p:nvPr/>
-        </p:nvPicPr>
-        <p:blipFill>
-          <a:blip r:embed="rId2" cstate="print">
-            <a:extLst>
-              <a:ext uri="{28A0092B-C50C-407E-A947-70E740481C1C}">
-                <a14:useLocalDpi xmlns:a14="http://schemas.microsoft.com/office/drawing/2010/main" val="0"/>
-              </a:ext>
-            </a:extLst>
-          </a:blip>
-          <a:stretch>
-            <a:fillRect/>
-          </a:stretch>
-        </p:blipFill>
-        <p:spPr>
-          <a:xfrm>
-            <a:off x="6333309" y="3972451"/>
-            <a:ext cx="5632268" cy="2670700"/>
-          </a:xfrm>
-          <a:prstGeom prst="rect">
-            <a:avLst/>
-          </a:prstGeom>
-        </p:spPr>
-      </p:pic>
     </p:spTree>
     <p:extLst>
       <p:ext uri="{BB962C8B-B14F-4D97-AF65-F5344CB8AC3E}">
@@ -7268,7 +7162,7 @@
         <p:spPr>
           <a:xfrm>
             <a:off x="1631452" y="2365382"/>
-            <a:ext cx="4277133" cy="769441"/>
+            <a:ext cx="3741730" cy="769441"/>
           </a:xfrm>
           <a:prstGeom prst="rect">
             <a:avLst/>
@@ -7299,7 +7193,17 @@
                   </a:schemeClr>
                 </a:solidFill>
               </a:rPr>
-              <a:t> 今後について</a:t>
+              <a:t> </a:t>
+            </a:r>
+            <a:r>
+              <a:rPr lang="en-US" altLang="ja-JP" sz="4400" b="1" dirty="0">
+                <a:solidFill>
+                  <a:schemeClr val="accent2">
+                    <a:lumMod val="75000"/>
+                  </a:schemeClr>
+                </a:solidFill>
+              </a:rPr>
+              <a:t>Conclusion</a:t>
             </a:r>
             <a:endParaRPr kumimoji="1" lang="ja-JP" altLang="en-US" sz="4400" b="1" dirty="0">
               <a:solidFill>
@@ -7384,7 +7288,7 @@
         <p:spPr>
           <a:xfrm>
             <a:off x="891223" y="710754"/>
-            <a:ext cx="1210588" cy="707886"/>
+            <a:ext cx="2642070" cy="707886"/>
           </a:xfrm>
           <a:prstGeom prst="rect">
             <a:avLst/>
@@ -7398,14 +7302,14 @@
           <a:lstStyle/>
           <a:p>
             <a:r>
-              <a:rPr lang="ja-JP" altLang="en-US" sz="4000" dirty="0">
+              <a:rPr lang="en-US" altLang="ja-JP" sz="4000" dirty="0">
                 <a:solidFill>
                   <a:schemeClr val="accent2">
                     <a:lumMod val="75000"/>
                   </a:schemeClr>
                 </a:solidFill>
               </a:rPr>
-              <a:t>今後</a:t>
+              <a:t>Conclusion</a:t>
             </a:r>
             <a:endParaRPr kumimoji="1" lang="ja-JP" altLang="en-US" sz="4000" dirty="0">
               <a:solidFill>
@@ -7426,7 +7330,7 @@
         <p:spPr>
           <a:xfrm>
             <a:off x="891223" y="1645920"/>
-            <a:ext cx="8069897" cy="1384995"/>
+            <a:ext cx="8069897" cy="523220"/>
           </a:xfrm>
           <a:prstGeom prst="rect">
             <a:avLst/>
@@ -7441,29 +7345,7 @@
           <a:p>
             <a:r>
               <a:rPr lang="ja-JP" altLang="en-US" sz="2800" dirty="0"/>
-              <a:t>・ステージの追加</a:t>
-            </a:r>
-            <a:endParaRPr lang="en-US" altLang="ja-JP" sz="2800" dirty="0"/>
-          </a:p>
-          <a:p>
-            <a:r>
-              <a:rPr lang="ja-JP" altLang="en-US" sz="2800" dirty="0"/>
               <a:t>・</a:t>
-            </a:r>
-            <a:r>
-              <a:rPr lang="en-US" altLang="ja-JP" sz="2800" dirty="0"/>
-              <a:t>UI</a:t>
-            </a:r>
-            <a:r>
-              <a:rPr lang="ja-JP" altLang="en-US" sz="2800" dirty="0"/>
-              <a:t>の改善</a:t>
-            </a:r>
-            <a:endParaRPr lang="en-US" altLang="ja-JP" sz="2800" dirty="0"/>
-          </a:p>
-          <a:p>
-            <a:r>
-              <a:rPr lang="ja-JP" altLang="en-US" sz="2800" dirty="0"/>
-              <a:t>・リザルト画面の表示</a:t>
             </a:r>
             <a:endParaRPr lang="en-US" altLang="ja-JP" sz="2800" dirty="0"/>
           </a:p>
@@ -7478,7 +7360,7 @@
         <p:spPr>
           <a:xfrm>
             <a:off x="536157" y="6489263"/>
-            <a:ext cx="1476686" cy="307777"/>
+            <a:ext cx="1257075" cy="307777"/>
           </a:xfrm>
           <a:prstGeom prst="rect">
             <a:avLst/>
@@ -7493,11 +7375,7 @@
           <a:p>
             <a:r>
               <a:rPr lang="en-US" altLang="ja-JP" sz="1400" dirty="0"/>
-              <a:t>3. </a:t>
-            </a:r>
-            <a:r>
-              <a:rPr lang="ja-JP" altLang="en-US" sz="1400" dirty="0"/>
-              <a:t>今後について</a:t>
+              <a:t>3. Conclusion</a:t>
             </a:r>
             <a:endParaRPr kumimoji="1" lang="ja-JP" altLang="en-US" sz="1400" dirty="0"/>
           </a:p>
